--- a/Documentation/osc-board-design.pptx
+++ b/Documentation/osc-board-design.pptx
@@ -29083,7 +29083,7 @@
                   <a:schemeClr val="bg1"/>
                 </a:solidFill>
               </a:rPr>
-              <a:t>EPC340</a:t>
+              <a:t>EP3C40</a:t>
             </a:r>
             <a:endParaRPr lang="en-US" sz="800" dirty="0">
               <a:solidFill>
